--- a/Flask.pptx
+++ b/Flask.pptx
@@ -16,6 +16,7 @@
     <p:sldId id="262" r:id="rId10"/>
     <p:sldId id="266" r:id="rId11"/>
     <p:sldId id="263" r:id="rId12"/>
+    <p:sldId id="267" r:id="rId13"/>
   </p:sldIdLst>
   <p:sldSz cx="12192000" cy="6858000"/>
   <p:notesSz cx="6858000" cy="9144000"/>
@@ -114,6 +115,11 @@
       </a:defRPr>
     </a:lvl9pPr>
   </p:defaultTextStyle>
+  <p:extLst>
+    <p:ext uri="{EFAFB233-063F-42B5-8137-9DF3F51BA10A}">
+      <p15:sldGuideLst xmlns:p15="http://schemas.microsoft.com/office/powerpoint/2012/main"/>
+    </p:ext>
+  </p:extLst>
 </p:presentation>
 </file>
 
@@ -557,7 +563,7 @@
           <a:p>
             <a:fld id="{66FBE2F9-DC93-495B-B16F-32404BEFC34C}" type="datetimeFigureOut">
               <a:rPr lang="en-IN" smtClean="0"/>
-              <a:t>29-11-2023</a:t>
+              <a:t>01-12-2023</a:t>
             </a:fld>
             <a:endParaRPr lang="en-IN"/>
           </a:p>
@@ -757,7 +763,7 @@
           <a:p>
             <a:fld id="{66FBE2F9-DC93-495B-B16F-32404BEFC34C}" type="datetimeFigureOut">
               <a:rPr lang="en-IN" smtClean="0"/>
-              <a:t>29-11-2023</a:t>
+              <a:t>01-12-2023</a:t>
             </a:fld>
             <a:endParaRPr lang="en-IN"/>
           </a:p>
@@ -967,7 +973,7 @@
           <a:p>
             <a:fld id="{66FBE2F9-DC93-495B-B16F-32404BEFC34C}" type="datetimeFigureOut">
               <a:rPr lang="en-IN" smtClean="0"/>
-              <a:t>29-11-2023</a:t>
+              <a:t>01-12-2023</a:t>
             </a:fld>
             <a:endParaRPr lang="en-IN"/>
           </a:p>
@@ -1167,7 +1173,7 @@
           <a:p>
             <a:fld id="{66FBE2F9-DC93-495B-B16F-32404BEFC34C}" type="datetimeFigureOut">
               <a:rPr lang="en-IN" smtClean="0"/>
-              <a:t>29-11-2023</a:t>
+              <a:t>01-12-2023</a:t>
             </a:fld>
             <a:endParaRPr lang="en-IN"/>
           </a:p>
@@ -1443,7 +1449,7 @@
           <a:p>
             <a:fld id="{66FBE2F9-DC93-495B-B16F-32404BEFC34C}" type="datetimeFigureOut">
               <a:rPr lang="en-IN" smtClean="0"/>
-              <a:t>29-11-2023</a:t>
+              <a:t>01-12-2023</a:t>
             </a:fld>
             <a:endParaRPr lang="en-IN"/>
           </a:p>
@@ -1711,7 +1717,7 @@
           <a:p>
             <a:fld id="{66FBE2F9-DC93-495B-B16F-32404BEFC34C}" type="datetimeFigureOut">
               <a:rPr lang="en-IN" smtClean="0"/>
-              <a:t>29-11-2023</a:t>
+              <a:t>01-12-2023</a:t>
             </a:fld>
             <a:endParaRPr lang="en-IN"/>
           </a:p>
@@ -2126,7 +2132,7 @@
           <a:p>
             <a:fld id="{66FBE2F9-DC93-495B-B16F-32404BEFC34C}" type="datetimeFigureOut">
               <a:rPr lang="en-IN" smtClean="0"/>
-              <a:t>29-11-2023</a:t>
+              <a:t>01-12-2023</a:t>
             </a:fld>
             <a:endParaRPr lang="en-IN"/>
           </a:p>
@@ -2268,7 +2274,7 @@
           <a:p>
             <a:fld id="{66FBE2F9-DC93-495B-B16F-32404BEFC34C}" type="datetimeFigureOut">
               <a:rPr lang="en-IN" smtClean="0"/>
-              <a:t>29-11-2023</a:t>
+              <a:t>01-12-2023</a:t>
             </a:fld>
             <a:endParaRPr lang="en-IN"/>
           </a:p>
@@ -2381,7 +2387,7 @@
           <a:p>
             <a:fld id="{66FBE2F9-DC93-495B-B16F-32404BEFC34C}" type="datetimeFigureOut">
               <a:rPr lang="en-IN" smtClean="0"/>
-              <a:t>29-11-2023</a:t>
+              <a:t>01-12-2023</a:t>
             </a:fld>
             <a:endParaRPr lang="en-IN"/>
           </a:p>
@@ -2694,7 +2700,7 @@
           <a:p>
             <a:fld id="{66FBE2F9-DC93-495B-B16F-32404BEFC34C}" type="datetimeFigureOut">
               <a:rPr lang="en-IN" smtClean="0"/>
-              <a:t>29-11-2023</a:t>
+              <a:t>01-12-2023</a:t>
             </a:fld>
             <a:endParaRPr lang="en-IN"/>
           </a:p>
@@ -2983,7 +2989,7 @@
           <a:p>
             <a:fld id="{66FBE2F9-DC93-495B-B16F-32404BEFC34C}" type="datetimeFigureOut">
               <a:rPr lang="en-IN" smtClean="0"/>
-              <a:t>29-11-2023</a:t>
+              <a:t>01-12-2023</a:t>
             </a:fld>
             <a:endParaRPr lang="en-IN"/>
           </a:p>
@@ -3226,7 +3232,7 @@
           <a:p>
             <a:fld id="{66FBE2F9-DC93-495B-B16F-32404BEFC34C}" type="datetimeFigureOut">
               <a:rPr lang="en-IN" smtClean="0"/>
-              <a:t>29-11-2023</a:t>
+              <a:t>01-12-2023</a:t>
             </a:fld>
             <a:endParaRPr lang="en-IN"/>
           </a:p>
@@ -3661,20 +3667,38 @@
         </p:nvSpPr>
         <p:spPr>
           <a:xfrm>
-            <a:off x="7659328" y="4464331"/>
+            <a:off x="7944806" y="5524505"/>
             <a:ext cx="3382297" cy="704492"/>
           </a:xfrm>
         </p:spPr>
         <p:txBody>
-          <a:bodyPr/>
+          <a:bodyPr>
+            <a:normAutofit/>
+          </a:bodyPr>
           <a:lstStyle/>
           <a:p>
             <a:pPr algn="r"/>
             <a:r>
-              <a:rPr lang="en-US" dirty="0"/>
-              <a:t>Presented by: Triloki</a:t>
-            </a:r>
-            <a:endParaRPr lang="en-IN" dirty="0"/>
+              <a:rPr lang="en-US" sz="1600" b="1" dirty="0">
+                <a:effectLst>
+                  <a:outerShdw blurRad="38100" dist="38100" dir="2700000" algn="tl">
+                    <a:srgbClr val="000000">
+                      <a:alpha val="43137"/>
+                    </a:srgbClr>
+                  </a:outerShdw>
+                </a:effectLst>
+              </a:rPr>
+              <a:t>Triloki Gupta</a:t>
+            </a:r>
+            <a:endParaRPr lang="en-IN" sz="1600" b="1" dirty="0">
+              <a:effectLst>
+                <a:outerShdw blurRad="38100" dist="38100" dir="2700000" algn="tl">
+                  <a:srgbClr val="000000">
+                    <a:alpha val="43137"/>
+                  </a:srgbClr>
+                </a:outerShdw>
+              </a:effectLst>
+            </a:endParaRPr>
           </a:p>
         </p:txBody>
       </p:sp>
@@ -4080,6 +4104,190 @@
 </p:sld>
 </file>
 
+<file path=ppt/slides/slide12.xml><?xml version="1.0" encoding="utf-8"?>
+<p:sld xmlns:a="http://schemas.openxmlformats.org/drawingml/2006/main" xmlns:r="http://schemas.openxmlformats.org/officeDocument/2006/relationships" xmlns:p="http://schemas.openxmlformats.org/presentationml/2006/main">
+  <p:cSld>
+    <p:spTree>
+      <p:nvGrpSpPr>
+        <p:cNvPr id="1" name=""/>
+        <p:cNvGrpSpPr/>
+        <p:nvPr/>
+      </p:nvGrpSpPr>
+      <p:grpSpPr>
+        <a:xfrm>
+          <a:off x="0" y="0"/>
+          <a:ext cx="0" cy="0"/>
+          <a:chOff x="0" y="0"/>
+          <a:chExt cx="0" cy="0"/>
+        </a:xfrm>
+      </p:grpSpPr>
+      <p:sp>
+        <p:nvSpPr>
+          <p:cNvPr id="2" name="Title 1">
+            <a:extLst>
+              <a:ext uri="{FF2B5EF4-FFF2-40B4-BE49-F238E27FC236}">
+                <a16:creationId xmlns:a16="http://schemas.microsoft.com/office/drawing/2014/main" id="{32280692-7722-2F61-0D52-7381AC589C72}"/>
+              </a:ext>
+            </a:extLst>
+          </p:cNvPr>
+          <p:cNvSpPr>
+            <a:spLocks noGrp="1"/>
+          </p:cNvSpPr>
+          <p:nvPr>
+            <p:ph type="title"/>
+          </p:nvPr>
+        </p:nvSpPr>
+        <p:spPr/>
+        <p:txBody>
+          <a:bodyPr/>
+          <a:lstStyle/>
+          <a:p>
+            <a:r>
+              <a:rPr lang="en-IN" b="1" i="0" dirty="0">
+                <a:effectLst/>
+                <a:latin typeface="Söhne"/>
+              </a:rPr>
+              <a:t>Thanks</a:t>
+            </a:r>
+            <a:endParaRPr lang="en-US" dirty="0"/>
+          </a:p>
+        </p:txBody>
+      </p:sp>
+      <p:sp>
+        <p:nvSpPr>
+          <p:cNvPr id="3" name="Content Placeholder 2">
+            <a:extLst>
+              <a:ext uri="{FF2B5EF4-FFF2-40B4-BE49-F238E27FC236}">
+                <a16:creationId xmlns:a16="http://schemas.microsoft.com/office/drawing/2014/main" id="{F3745803-A30B-94AC-53E5-FFF285930720}"/>
+              </a:ext>
+            </a:extLst>
+          </p:cNvPr>
+          <p:cNvSpPr>
+            <a:spLocks noGrp="1"/>
+          </p:cNvSpPr>
+          <p:nvPr>
+            <p:ph idx="1"/>
+          </p:nvPr>
+        </p:nvSpPr>
+        <p:spPr/>
+        <p:txBody>
+          <a:bodyPr/>
+          <a:lstStyle/>
+          <a:p>
+            <a:pPr marL="0" indent="0">
+              <a:buNone/>
+            </a:pPr>
+            <a:r>
+              <a:rPr lang="en-US" dirty="0"/>
+              <a:t> </a:t>
+            </a:r>
+            <a:r>
+              <a:rPr lang="en-US" b="1" dirty="0">
+                <a:effectLst>
+                  <a:outerShdw blurRad="38100" dist="38100" dir="2700000" algn="tl">
+                    <a:srgbClr val="000000">
+                      <a:alpha val="43137"/>
+                    </a:srgbClr>
+                  </a:outerShdw>
+                </a:effectLst>
+              </a:rPr>
+              <a:t>@app.route('/thanks')</a:t>
+            </a:r>
+          </a:p>
+          <a:p>
+            <a:pPr marL="0" indent="0">
+              <a:buNone/>
+            </a:pPr>
+            <a:r>
+              <a:rPr lang="en-US" b="1" dirty="0">
+                <a:effectLst>
+                  <a:outerShdw blurRad="38100" dist="38100" dir="2700000" algn="tl">
+                    <a:srgbClr val="000000">
+                      <a:alpha val="43137"/>
+                    </a:srgbClr>
+                  </a:outerShdw>
+                </a:effectLst>
+              </a:rPr>
+              <a:t> </a:t>
+            </a:r>
+            <a:r>
+              <a:rPr lang="en-US" b="1">
+                <a:effectLst>
+                  <a:outerShdw blurRad="38100" dist="38100" dir="2700000" algn="tl">
+                    <a:srgbClr val="000000">
+                      <a:alpha val="43137"/>
+                    </a:srgbClr>
+                  </a:outerShdw>
+                </a:effectLst>
+              </a:rPr>
+              <a:t>def thanks():</a:t>
+            </a:r>
+            <a:endParaRPr lang="en-US" b="1" dirty="0">
+              <a:effectLst>
+                <a:outerShdw blurRad="38100" dist="38100" dir="2700000" algn="tl">
+                  <a:srgbClr val="000000">
+                    <a:alpha val="43137"/>
+                  </a:srgbClr>
+                </a:outerShdw>
+              </a:effectLst>
+            </a:endParaRPr>
+          </a:p>
+          <a:p>
+            <a:pPr marL="0" indent="0">
+              <a:buNone/>
+            </a:pPr>
+            <a:r>
+              <a:rPr lang="en-US" b="1" dirty="0">
+                <a:effectLst>
+                  <a:outerShdw blurRad="38100" dist="38100" dir="2700000" algn="tl">
+                    <a:srgbClr val="000000">
+                      <a:alpha val="43137"/>
+                    </a:srgbClr>
+                  </a:outerShdw>
+                </a:effectLst>
+              </a:rPr>
+              <a:t>     return </a:t>
+            </a:r>
+            <a:r>
+              <a:rPr lang="en-US" b="1" dirty="0" err="1">
+                <a:effectLst>
+                  <a:outerShdw blurRad="38100" dist="38100" dir="2700000" algn="tl">
+                    <a:srgbClr val="000000">
+                      <a:alpha val="43137"/>
+                    </a:srgbClr>
+                  </a:outerShdw>
+                </a:effectLst>
+              </a:rPr>
+              <a:t>render_template</a:t>
+            </a:r>
+            <a:r>
+              <a:rPr lang="en-US" b="1" dirty="0">
+                <a:effectLst>
+                  <a:outerShdw blurRad="38100" dist="38100" dir="2700000" algn="tl">
+                    <a:srgbClr val="000000">
+                      <a:alpha val="43137"/>
+                    </a:srgbClr>
+                  </a:outerShdw>
+                </a:effectLst>
+              </a:rPr>
+              <a:t>('thanks.html')</a:t>
+            </a:r>
+          </a:p>
+        </p:txBody>
+      </p:sp>
+    </p:spTree>
+    <p:extLst>
+      <p:ext uri="{BB962C8B-B14F-4D97-AF65-F5344CB8AC3E}">
+        <p14:creationId xmlns:p14="http://schemas.microsoft.com/office/powerpoint/2010/main" val="1844200933"/>
+      </p:ext>
+    </p:extLst>
+  </p:cSld>
+  <p:clrMapOvr>
+    <a:masterClrMapping/>
+  </p:clrMapOvr>
+</p:sld>
+</file>
+
 <file path=ppt/slides/slide2.xml><?xml version="1.0" encoding="utf-8"?>
 <p:sld xmlns:a="http://schemas.openxmlformats.org/drawingml/2006/main" xmlns:r="http://schemas.openxmlformats.org/officeDocument/2006/relationships" xmlns:p="http://schemas.openxmlformats.org/presentationml/2006/main">
   <p:cSld>
@@ -4798,7 +5006,7 @@
         <p:spPr/>
         <p:txBody>
           <a:bodyPr>
-            <a:normAutofit fontScale="85000" lnSpcReduction="20000"/>
+            <a:normAutofit fontScale="85000" lnSpcReduction="10000"/>
           </a:bodyPr>
           <a:lstStyle/>
           <a:p>
@@ -4806,7 +5014,15 @@
               <a:buNone/>
             </a:pPr>
             <a:r>
-              <a:rPr lang="en-US" b="1" dirty="0"/>
+              <a:rPr lang="en-US" b="1" dirty="0">
+                <a:effectLst>
+                  <a:outerShdw blurRad="38100" dist="38100" dir="2700000" algn="tl">
+                    <a:srgbClr val="000000">
+                      <a:alpha val="43137"/>
+                    </a:srgbClr>
+                  </a:outerShdw>
+                </a:effectLst>
+              </a:rPr>
               <a:t>GET</a:t>
             </a:r>
             <a:r>
@@ -4825,21 +5041,20 @@
               <a:buNone/>
             </a:pPr>
             <a:r>
-              <a:rPr lang="en-US" b="1" dirty="0"/>
+              <a:rPr lang="en-US" b="1" dirty="0">
+                <a:effectLst>
+                  <a:outerShdw blurRad="38100" dist="38100" dir="2700000" algn="tl">
+                    <a:srgbClr val="000000">
+                      <a:alpha val="43137"/>
+                    </a:srgbClr>
+                  </a:outerShdw>
+                </a:effectLst>
+              </a:rPr>
               <a:t>POST</a:t>
             </a:r>
             <a:r>
               <a:rPr lang="en-US" dirty="0"/>
-              <a:t>: Used to send HTML form data to server. Data received by POST</a:t>
-            </a:r>
-          </a:p>
-          <a:p>
-            <a:pPr marL="0" indent="0">
-              <a:buNone/>
-            </a:pPr>
-            <a:r>
-              <a:rPr lang="en-US" dirty="0"/>
-              <a:t> method is not cached by server.</a:t>
+              <a:t>: Used to send HTML form data to server. Data received by POST method is not cached by server.</a:t>
             </a:r>
           </a:p>
           <a:p>
@@ -5833,7 +6048,7 @@
                   </a:outerShdw>
                 </a:effectLst>
               </a:rPr>
-              <a:t>@app.route('/user/&lt;int:user_id&gt;')</a:t>
+              <a:t>@app.route('/user/&lt;user_id&gt;')</a:t>
             </a:r>
           </a:p>
           <a:p>
@@ -5980,7 +6195,31 @@
                   </a:outerShdw>
                 </a:effectLst>
               </a:rPr>
-              <a:t>    if user is None:</a:t>
+              <a:t>    if </a:t>
+            </a:r>
+            <a:r>
+              <a:rPr lang="en-IN" dirty="0" err="1">
+                <a:effectLst>
+                  <a:outerShdw blurRad="38100" dist="38100" dir="2700000" algn="tl">
+                    <a:srgbClr val="000000">
+                      <a:alpha val="43137"/>
+                    </a:srgbClr>
+                  </a:outerShdw>
+                </a:effectLst>
+              </a:rPr>
+              <a:t>user.isdigit</a:t>
+            </a:r>
+            <a:r>
+              <a:rPr lang="en-IN" dirty="0">
+                <a:effectLst>
+                  <a:outerShdw blurRad="38100" dist="38100" dir="2700000" algn="tl">
+                    <a:srgbClr val="000000">
+                      <a:alpha val="43137"/>
+                    </a:srgbClr>
+                  </a:outerShdw>
+                </a:effectLst>
+              </a:rPr>
+              <a:t>():</a:t>
             </a:r>
           </a:p>
           <a:p>
